--- a/conferences/presentations/TPS_ScopingWorkshop_20190321/Whitaker_TuringWayPoster_TPSScopingWorkshop.pptx
+++ b/conferences/presentations/TPS_ScopingWorkshop_20190321/Whitaker_TuringWayPoster_TPSScopingWorkshop.pptx
@@ -313,7 +313,7 @@
               <a:pPr>
                 <a:defRPr/>
               </a:pPr>
-              <a:t>18/03/2019</a:t>
+              <a:t>19/03/2019</a:t>
             </a:fld>
             <a:endParaRPr lang="en-GB"/>
           </a:p>
@@ -2702,7 +2702,7 @@
             <a:p>
               <a:r>
                 <a:rPr lang="en-US" sz="3600" dirty="0"/>
-                <a:t>The Turing Way team is building a Turing Hosted </a:t>
+                <a:t>The Turing Way team is building a Turing hosted </a:t>
               </a:r>
               <a:r>
                 <a:rPr lang="en-US" sz="3600" dirty="0" err="1"/>
@@ -2966,15 +2966,7 @@
             <a:p>
               <a:r>
                 <a:rPr lang="en-US" sz="3600" dirty="0"/>
-                <a:t>The Turing Way is openly developed and </a:t>
-              </a:r>
-              <a:r>
-                <a:rPr lang="en-US" sz="3600" dirty="0" err="1"/>
-                <a:t>licenced</a:t>
-              </a:r>
-              <a:r>
-                <a:rPr lang="en-US" sz="3600" dirty="0"/>
-                <a:t> (CC-BY and MIT). It actively seeks to build its community by making it easy to contribute to the project.</a:t>
+                <a:t>The Turing Way is openly developed and licensed (CC-BY and MIT). It actively seeks to build its community by making it easy to contribute to the project.</a:t>
               </a:r>
             </a:p>
             <a:p>
@@ -4544,6 +4536,21 @@
 </file>
 
 <file path=customXml/item1.xml><?xml version="1.0" encoding="utf-8"?>
+<p:properties xmlns:p="http://schemas.microsoft.com/office/2006/metadata/properties" xmlns:xsi="http://www.w3.org/2001/XMLSchema-instance" xmlns:pc="http://schemas.microsoft.com/office/infopath/2007/PartnerControls">
+  <documentManagement/>
+</p:properties>
+</file>
+
+<file path=customXml/item2.xml><?xml version="1.0" encoding="utf-8"?>
+<?mso-contentType ?>
+<FormTemplates xmlns="http://schemas.microsoft.com/sharepoint/v3/contenttype/forms">
+  <Display>DocumentLibraryForm</Display>
+  <Edit>DocumentLibraryForm</Edit>
+  <New>DocumentLibraryForm</New>
+</FormTemplates>
+</file>
+
+<file path=customXml/item3.xml><?xml version="1.0" encoding="utf-8"?>
 <ct:contentTypeSchema xmlns:ct="http://schemas.microsoft.com/office/2006/metadata/contentType" xmlns:ma="http://schemas.microsoft.com/office/2006/metadata/properties/metaAttributes" ct:_="" ma:_="" ma:contentTypeName="Document" ma:contentTypeID="0x01010059AA62DCEA4FAE4394823B509BA2709F" ma:contentTypeVersion="" ma:contentTypeDescription="Create a new document." ma:contentTypeScope="" ma:versionID="f5f144880e0222ce0d875f5b6d538bcd">
   <xsd:schema xmlns:xsd="http://www.w3.org/2001/XMLSchema" xmlns:xs="http://www.w3.org/2001/XMLSchema" xmlns:p="http://schemas.microsoft.com/office/2006/metadata/properties" xmlns:ns2="ddc16f2e-ac79-420b-bf02-152a3fab2b22" xmlns:ns3="e5618448-e42b-40ea-80d2-fe7c2030a18b" targetNamespace="http://schemas.microsoft.com/office/2006/metadata/properties" ma:root="true" ma:fieldsID="d8f14032b450dcf0b5dfeee191d447cb" ns2:_="" ns3:_="">
     <xsd:import namespace="ddc16f2e-ac79-420b-bf02-152a3fab2b22"/>
@@ -4746,22 +4753,32 @@
 </ct:contentTypeSchema>
 </file>
 
-<file path=customXml/item2.xml><?xml version="1.0" encoding="utf-8"?>
-<?mso-contentType ?>
-<FormTemplates xmlns="http://schemas.microsoft.com/sharepoint/v3/contenttype/forms">
-  <Display>DocumentLibraryForm</Display>
-  <Edit>DocumentLibraryForm</Edit>
-  <New>DocumentLibraryForm</New>
-</FormTemplates>
+<file path=customXml/itemProps1.xml><?xml version="1.0" encoding="utf-8"?>
+<ds:datastoreItem xmlns:ds="http://schemas.openxmlformats.org/officeDocument/2006/customXml" ds:itemID="{42D3EDB7-0ABD-4BC6-9C2A-32E4FC10473A}">
+  <ds:schemaRefs>
+    <ds:schemaRef ds:uri="http://purl.org/dc/terms/"/>
+    <ds:schemaRef ds:uri="http://schemas.microsoft.com/office/2006/documentManagement/types"/>
+    <ds:schemaRef ds:uri="http://purl.org/dc/dcmitype/"/>
+    <ds:schemaRef ds:uri="ddc16f2e-ac79-420b-bf02-152a3fab2b22"/>
+    <ds:schemaRef ds:uri="e5618448-e42b-40ea-80d2-fe7c2030a18b"/>
+    <ds:schemaRef ds:uri="http://purl.org/dc/elements/1.1/"/>
+    <ds:schemaRef ds:uri="http://schemas.microsoft.com/office/2006/metadata/properties"/>
+    <ds:schemaRef ds:uri="http://schemas.microsoft.com/office/infopath/2007/PartnerControls"/>
+    <ds:schemaRef ds:uri="http://schemas.openxmlformats.org/package/2006/metadata/core-properties"/>
+    <ds:schemaRef ds:uri="http://www.w3.org/XML/1998/namespace"/>
+  </ds:schemaRefs>
+</ds:datastoreItem>
 </file>
 
-<file path=customXml/item3.xml><?xml version="1.0" encoding="utf-8"?>
-<p:properties xmlns:p="http://schemas.microsoft.com/office/2006/metadata/properties" xmlns:xsi="http://www.w3.org/2001/XMLSchema-instance" xmlns:pc="http://schemas.microsoft.com/office/infopath/2007/PartnerControls">
-  <documentManagement/>
-</p:properties>
+<file path=customXml/itemProps2.xml><?xml version="1.0" encoding="utf-8"?>
+<ds:datastoreItem xmlns:ds="http://schemas.openxmlformats.org/officeDocument/2006/customXml" ds:itemID="{C64CD6DA-8304-4A4D-8306-73EF63B662CF}">
+  <ds:schemaRefs>
+    <ds:schemaRef ds:uri="http://schemas.microsoft.com/sharepoint/v3/contenttype/forms"/>
+  </ds:schemaRefs>
+</ds:datastoreItem>
 </file>
 
-<file path=customXml/itemProps1.xml><?xml version="1.0" encoding="utf-8"?>
+<file path=customXml/itemProps3.xml><?xml version="1.0" encoding="utf-8"?>
 <ds:datastoreItem xmlns:ds="http://schemas.openxmlformats.org/officeDocument/2006/customXml" ds:itemID="{83222D89-EE76-4C3D-A65F-59E335B62304}">
   <ds:schemaRefs>
     <ds:schemaRef ds:uri="http://schemas.microsoft.com/office/2006/metadata/contentType"/>
@@ -4778,29 +4795,4 @@
     <ds:schemaRef ds:uri="http://schemas.microsoft.com/internal/obd"/>
   </ds:schemaRefs>
 </ds:datastoreItem>
-</file>
-
-<file path=customXml/itemProps2.xml><?xml version="1.0" encoding="utf-8"?>
-<ds:datastoreItem xmlns:ds="http://schemas.openxmlformats.org/officeDocument/2006/customXml" ds:itemID="{C64CD6DA-8304-4A4D-8306-73EF63B662CF}">
-  <ds:schemaRefs>
-    <ds:schemaRef ds:uri="http://schemas.microsoft.com/sharepoint/v3/contenttype/forms"/>
-  </ds:schemaRefs>
-</ds:datastoreItem>
-</file>
-
-<file path=customXml/itemProps3.xml><?xml version="1.0" encoding="utf-8"?>
-<ds:datastoreItem xmlns:ds="http://schemas.openxmlformats.org/officeDocument/2006/customXml" ds:itemID="{42D3EDB7-0ABD-4BC6-9C2A-32E4FC10473A}">
-  <ds:schemaRefs>
-    <ds:schemaRef ds:uri="http://purl.org/dc/terms/"/>
-    <ds:schemaRef ds:uri="http://schemas.microsoft.com/office/2006/documentManagement/types"/>
-    <ds:schemaRef ds:uri="http://purl.org/dc/dcmitype/"/>
-    <ds:schemaRef ds:uri="ddc16f2e-ac79-420b-bf02-152a3fab2b22"/>
-    <ds:schemaRef ds:uri="e5618448-e42b-40ea-80d2-fe7c2030a18b"/>
-    <ds:schemaRef ds:uri="http://purl.org/dc/elements/1.1/"/>
-    <ds:schemaRef ds:uri="http://schemas.microsoft.com/office/2006/metadata/properties"/>
-    <ds:schemaRef ds:uri="http://schemas.microsoft.com/office/infopath/2007/PartnerControls"/>
-    <ds:schemaRef ds:uri="http://schemas.openxmlformats.org/package/2006/metadata/core-properties"/>
-    <ds:schemaRef ds:uri="http://www.w3.org/XML/1998/namespace"/>
-  </ds:schemaRefs>
-</ds:datastoreItem>
 </file>